--- a/en/ProgrammingLessons/MovingStraightPy.pptx
+++ b/en/ProgrammingLessons/MovingStraightPy.pptx
@@ -226,7 +226,7 @@
           <a:p>
             <a:fld id="{F8D9B3D7-15CB-9343-AA49-EFB5A8F33F18}" type="datetimeFigureOut">
               <a:rPr lang="en-US" smtClean="0"/>
-              <a:t>11/8/2020</a:t>
+              <a:t>11/19/2020</a:t>
             </a:fld>
             <a:endParaRPr lang="en-US"/>
           </a:p>
@@ -392,7 +392,7 @@
           <a:p>
             <a:fld id="{FD3EFF1E-85A1-6640-AFB9-C38833E80A84}" type="datetimeFigureOut">
               <a:rPr lang="en-US" smtClean="0"/>
-              <a:t>11/8/2020</a:t>
+              <a:t>11/19/2020</a:t>
             </a:fld>
             <a:endParaRPr lang="en-US"/>
           </a:p>
@@ -16283,8 +16283,8 @@
         </p:nvSpPr>
         <p:spPr>
           <a:xfrm>
-            <a:off x="261639" y="2800392"/>
-            <a:ext cx="5243615" cy="2031325"/>
+            <a:off x="261639" y="3109217"/>
+            <a:ext cx="5243615" cy="1477328"/>
           </a:xfrm>
           <a:prstGeom prst="rect">
             <a:avLst/>
@@ -16419,137 +16419,6 @@
               </a:rPr>
               <a:t>)</a:t>
             </a:r>
-          </a:p>
-          <a:p>
-            <a:r>
-              <a:rPr lang="en-US" sz="1800" b="0" dirty="0" err="1">
-                <a:solidFill>
-                  <a:srgbClr val="000000"/>
-                </a:solidFill>
-                <a:effectLst/>
-                <a:latin typeface="Consolas" panose="020B0609020204030204" pitchFamily="49" charset="0"/>
-              </a:rPr>
-              <a:t>motor_pair</a:t>
-            </a:r>
-            <a:r>
-              <a:rPr lang="en-US" sz="1800" b="0" dirty="0">
-                <a:solidFill>
-                  <a:srgbClr val="000000"/>
-                </a:solidFill>
-                <a:effectLst/>
-                <a:latin typeface="Consolas" panose="020B0609020204030204" pitchFamily="49" charset="0"/>
-              </a:rPr>
-              <a:t> = </a:t>
-            </a:r>
-            <a:r>
-              <a:rPr lang="en-US" sz="1800" b="0" dirty="0" err="1">
-                <a:solidFill>
-                  <a:srgbClr val="000000"/>
-                </a:solidFill>
-                <a:effectLst/>
-                <a:latin typeface="Consolas" panose="020B0609020204030204" pitchFamily="49" charset="0"/>
-              </a:rPr>
-              <a:t>MotorPair</a:t>
-            </a:r>
-            <a:r>
-              <a:rPr lang="en-US" sz="1800" b="0" dirty="0">
-                <a:solidFill>
-                  <a:srgbClr val="00877B"/>
-                </a:solidFill>
-                <a:effectLst/>
-                <a:latin typeface="Consolas" panose="020B0609020204030204" pitchFamily="49" charset="0"/>
-              </a:rPr>
-              <a:t>(</a:t>
-            </a:r>
-            <a:r>
-              <a:rPr lang="en-US" sz="1800" b="0" dirty="0">
-                <a:solidFill>
-                  <a:srgbClr val="D8009B"/>
-                </a:solidFill>
-                <a:effectLst/>
-                <a:latin typeface="Consolas" panose="020B0609020204030204" pitchFamily="49" charset="0"/>
-              </a:rPr>
-              <a:t>'A'</a:t>
-            </a:r>
-            <a:r>
-              <a:rPr lang="en-US" sz="1800" b="0" dirty="0">
-                <a:solidFill>
-                  <a:srgbClr val="000000"/>
-                </a:solidFill>
-                <a:effectLst/>
-                <a:latin typeface="Consolas" panose="020B0609020204030204" pitchFamily="49" charset="0"/>
-              </a:rPr>
-              <a:t>, </a:t>
-            </a:r>
-            <a:r>
-              <a:rPr lang="en-US" sz="1800" b="0" dirty="0">
-                <a:solidFill>
-                  <a:srgbClr val="D8009B"/>
-                </a:solidFill>
-                <a:effectLst/>
-                <a:latin typeface="Consolas" panose="020B0609020204030204" pitchFamily="49" charset="0"/>
-              </a:rPr>
-              <a:t>'E'</a:t>
-            </a:r>
-            <a:r>
-              <a:rPr lang="en-US" sz="1800" b="0" dirty="0">
-                <a:solidFill>
-                  <a:srgbClr val="00877B"/>
-                </a:solidFill>
-                <a:effectLst/>
-                <a:latin typeface="Consolas" panose="020B0609020204030204" pitchFamily="49" charset="0"/>
-              </a:rPr>
-              <a:t>)</a:t>
-            </a:r>
-          </a:p>
-          <a:p>
-            <a:r>
-              <a:rPr lang="en-GB" sz="1800" b="0" dirty="0" err="1">
-                <a:solidFill>
-                  <a:srgbClr val="000000"/>
-                </a:solidFill>
-                <a:effectLst/>
-                <a:latin typeface="Consolas" panose="020B0609020204030204" pitchFamily="49" charset="0"/>
-              </a:rPr>
-              <a:t>motor_pair.set_stop_action</a:t>
-            </a:r>
-            <a:r>
-              <a:rPr lang="en-GB" sz="1800" b="0" dirty="0">
-                <a:solidFill>
-                  <a:srgbClr val="00877B"/>
-                </a:solidFill>
-                <a:effectLst/>
-                <a:latin typeface="Consolas" panose="020B0609020204030204" pitchFamily="49" charset="0"/>
-              </a:rPr>
-              <a:t>(</a:t>
-            </a:r>
-            <a:r>
-              <a:rPr lang="en-US" sz="1800" b="0" dirty="0">
-                <a:solidFill>
-                  <a:srgbClr val="D8009B"/>
-                </a:solidFill>
-                <a:effectLst/>
-                <a:latin typeface="Consolas" panose="020B0609020204030204" pitchFamily="49" charset="0"/>
-              </a:rPr>
-              <a:t>'brake'</a:t>
-            </a:r>
-            <a:r>
-              <a:rPr lang="en-GB" sz="1800" b="0" dirty="0">
-                <a:solidFill>
-                  <a:srgbClr val="00877B"/>
-                </a:solidFill>
-                <a:effectLst/>
-                <a:latin typeface="Consolas" panose="020B0609020204030204" pitchFamily="49" charset="0"/>
-              </a:rPr>
-              <a:t>)</a:t>
-            </a:r>
-            <a:endParaRPr lang="en-US" sz="1800" b="0" dirty="0">
-              <a:solidFill>
-                <a:srgbClr val="000000"/>
-              </a:solidFill>
-              <a:effectLst/>
-              <a:latin typeface="Consolas" panose="020B0609020204030204" pitchFamily="49" charset="0"/>
-            </a:endParaRPr>
           </a:p>
           <a:p>
             <a:r>
@@ -16787,7 +16656,7 @@
           <a:effectLst/>
           <a:extLst>
             <a:ext uri="{91240B29-F687-4f45-9708-019B960494DF}">
-              <a14:hiddenLine xmlns="" xmlns:a14="http://schemas.microsoft.com/office/drawing/2010/main" w="9525">
+              <a14:hiddenLine xmlns:a14="http://schemas.microsoft.com/office/drawing/2010/main" xmlns="" w="9525">
                 <a:solidFill>
                   <a:schemeClr val="tx1"/>
                 </a:solidFill>
@@ -16797,7 +16666,7 @@
               </a14:hiddenLine>
             </a:ext>
             <a:ext uri="{AF507438-7753-43e0-B8FC-AC1667EBCBE1}">
-              <a14:hiddenEffects xmlns="" xmlns:a14="http://schemas.microsoft.com/office/drawing/2010/main">
+              <a14:hiddenEffects xmlns:a14="http://schemas.microsoft.com/office/drawing/2010/main" xmlns="">
                 <a:effectLst>
                   <a:outerShdw dist="35921" dir="2700000" algn="ctr" rotWithShape="0">
                     <a:schemeClr val="bg2"/>
@@ -17138,7 +17007,7 @@
           <a:noFill/>
           <a:extLst>
             <a:ext uri="{909E8E84-426E-40dd-AFC4-6F175D3DCCD1}">
-              <a14:hiddenFill xmlns="" xmlns:a14="http://schemas.microsoft.com/office/drawing/2010/main">
+              <a14:hiddenFill xmlns:a14="http://schemas.microsoft.com/office/drawing/2010/main" xmlns="">
                 <a:solidFill>
                   <a:srgbClr val="FFFFFF"/>
                 </a:solidFill>

--- a/en/ProgrammingLessons/MovingStraightPy.pptx
+++ b/en/ProgrammingLessons/MovingStraightPy.pptx
@@ -5,7 +5,7 @@
     <p:sldMasterId id="2147483726" r:id="rId1"/>
     <p:sldMasterId id="2147483738" r:id="rId2"/>
     <p:sldMasterId id="2147483750" r:id="rId3"/>
-    <p:sldMasterId id="2147483762" r:id="rId4"/>
+    <p:sldMasterId id="2147483774" r:id="rId4"/>
   </p:sldMasterIdLst>
   <p:notesMasterIdLst>
     <p:notesMasterId r:id="rId18"/>
@@ -226,7 +226,7 @@
           <a:p>
             <a:fld id="{F8D9B3D7-15CB-9343-AA49-EFB5A8F33F18}" type="datetimeFigureOut">
               <a:rPr lang="en-US" smtClean="0"/>
-              <a:t>11/19/2020</a:t>
+              <a:t>12/16/20</a:t>
             </a:fld>
             <a:endParaRPr lang="en-US"/>
           </a:p>
@@ -392,7 +392,7 @@
           <a:p>
             <a:fld id="{FD3EFF1E-85A1-6640-AFB9-C38833E80A84}" type="datetimeFigureOut">
               <a:rPr lang="en-US" smtClean="0"/>
-              <a:t>11/19/2020</a:t>
+              <a:t>12/16/20</a:t>
             </a:fld>
             <a:endParaRPr lang="en-US"/>
           </a:p>
@@ -6972,7 +6972,7 @@
         </p:nvSpPr>
         <p:spPr>
           <a:xfrm>
-            <a:off x="182241" y="2203290"/>
+            <a:off x="182241" y="2579003"/>
             <a:ext cx="8787652" cy="2468585"/>
           </a:xfrm>
           <a:prstGeom prst="rect">
@@ -7013,8 +7013,8 @@
         </p:nvSpPr>
         <p:spPr>
           <a:xfrm>
-            <a:off x="242754" y="2300865"/>
-            <a:ext cx="5815852" cy="1504844"/>
+            <a:off x="242754" y="2676578"/>
+            <a:ext cx="8528356" cy="1504844"/>
           </a:xfrm>
           <a:effectLst/>
         </p:spPr>
@@ -7033,10 +7033,9 @@
           </a:lstStyle>
           <a:p>
             <a:r>
-              <a:rPr lang="en-US"/>
+              <a:rPr lang="en-US" dirty="0"/>
               <a:t>Click to edit Master title style</a:t>
             </a:r>
-            <a:endParaRPr lang="en-US" dirty="0"/>
           </a:p>
         </p:txBody>
       </p:sp>
@@ -7052,7 +7051,7 @@
         </p:nvSpPr>
         <p:spPr>
           <a:xfrm>
-            <a:off x="316712" y="3800535"/>
+            <a:off x="316712" y="4176248"/>
             <a:ext cx="5741894" cy="590321"/>
           </a:xfrm>
         </p:spPr>
@@ -7065,7 +7064,7 @@
               <a:buNone/>
               <a:defRPr sz="1600" cap="all">
                 <a:solidFill>
-                  <a:schemeClr val="accent2"/>
+                  <a:srgbClr val="0EAE9F"/>
                 </a:solidFill>
               </a:defRPr>
             </a:lvl1pPr>
@@ -7183,7 +7182,7 @@
         </p:spPr>
         <p:txBody>
           <a:bodyPr vert="horz" lIns="91440" tIns="45720" rIns="91440" bIns="45720" rtlCol="0" anchor="t">
-            <a:normAutofit fontScale="85000" lnSpcReduction="10000"/>
+            <a:normAutofit fontScale="92500" lnSpcReduction="10000"/>
           </a:bodyPr>
           <a:lstStyle>
             <a:lvl1pPr marL="306000" indent="-306000" algn="l" defTabSz="457200" rtl="0" eaLnBrk="1" latinLnBrk="0" hangingPunct="1">
@@ -7391,51 +7390,11 @@
             </a:pPr>
             <a:r>
               <a:rPr lang="en-US" sz="3200" dirty="0"/>
-              <a:t>SPIKE PRIME TUTORIALS</a:t>
-            </a:r>
-          </a:p>
-        </p:txBody>
-      </p:sp>
-      <p:pic>
-        <p:nvPicPr>
-          <p:cNvPr id="9" name="Picture 8" descr="A picture containing drawing&#10;&#10;Description automatically generated">
-            <a:extLst>
-              <a:ext uri="{FF2B5EF4-FFF2-40B4-BE49-F238E27FC236}">
-                <a16:creationId xmlns:a16="http://schemas.microsoft.com/office/drawing/2014/main" id="{26780A6E-BC42-443E-B6EE-CF18D754C376}"/>
-              </a:ext>
-            </a:extLst>
-          </p:cNvPr>
-          <p:cNvPicPr>
-            <a:picLocks noChangeAspect="1"/>
-          </p:cNvPicPr>
-          <p:nvPr/>
-        </p:nvPicPr>
-        <p:blipFill rotWithShape="1">
-          <a:blip r:embed="rId2">
-            <a:clrChange>
-              <a:clrFrom>
-                <a:srgbClr val="000000"/>
-              </a:clrFrom>
-              <a:clrTo>
-                <a:srgbClr val="000000">
-                  <a:alpha val="0"/>
-                </a:srgbClr>
-              </a:clrTo>
-            </a:clrChange>
-          </a:blip>
-          <a:srcRect b="32885"/>
-          <a:stretch/>
-        </p:blipFill>
-        <p:spPr>
-          <a:xfrm>
-            <a:off x="179837" y="1052244"/>
-            <a:ext cx="1668346" cy="1119706"/>
-          </a:xfrm>
-          <a:prstGeom prst="rect">
-            <a:avLst/>
-          </a:prstGeom>
-        </p:spPr>
-      </p:pic>
+              <a:t>PRIME LESSONS</a:t>
+            </a:r>
+          </a:p>
+        </p:txBody>
+      </p:sp>
       <p:sp>
         <p:nvSpPr>
           <p:cNvPr id="11" name="TextBox 10">
@@ -7450,8 +7409,8 @@
         </p:nvSpPr>
         <p:spPr>
           <a:xfrm>
-            <a:off x="6058605" y="737053"/>
-            <a:ext cx="2911288" cy="584775"/>
+            <a:off x="6331000" y="685891"/>
+            <a:ext cx="2440110" cy="307777"/>
           </a:xfrm>
           <a:prstGeom prst="rect">
             <a:avLst/>
@@ -7464,7 +7423,7 @@
           </a:bodyPr>
           <a:lstStyle/>
           <a:p>
-            <a:pPr marL="0" marR="0" lvl="0" indent="0" algn="l" defTabSz="914400" rtl="0" eaLnBrk="1" fontAlgn="auto" latinLnBrk="0" hangingPunct="1">
+            <a:pPr marL="0" marR="0" lvl="0" indent="0" algn="ctr" defTabSz="914400" rtl="0" eaLnBrk="1" fontAlgn="auto" latinLnBrk="0" hangingPunct="1">
               <a:lnSpc>
                 <a:spcPct val="100000"/>
               </a:lnSpc>
@@ -7482,21 +7441,18 @@
               <a:defRPr/>
             </a:pPr>
             <a:r>
-              <a:rPr lang="en-US" sz="1600" dirty="0"/>
-              <a:t>By the Creators of EV3Lessons</a:t>
-            </a:r>
-          </a:p>
-          <a:p>
-            <a:endParaRPr lang="en-US" sz="1600" dirty="0"/>
+              <a:rPr lang="en-US" sz="1400" dirty="0"/>
+              <a:t>By the Makers of EV3Lessons</a:t>
+            </a:r>
           </a:p>
         </p:txBody>
       </p:sp>
       <p:pic>
         <p:nvPicPr>
-          <p:cNvPr id="12" name="Picture 11" descr="A picture containing sitting, game, remote, video&#10;&#10;Description automatically generated">
+          <p:cNvPr id="18" name="Picture 17" descr="A picture containing application&#10;&#10;Description automatically generated">
             <a:extLst>
               <a:ext uri="{FF2B5EF4-FFF2-40B4-BE49-F238E27FC236}">
-                <a16:creationId xmlns:a16="http://schemas.microsoft.com/office/drawing/2014/main" id="{19D0660C-C674-40CA-9A39-C1E73533C99D}"/>
+                <a16:creationId xmlns:a16="http://schemas.microsoft.com/office/drawing/2014/main" id="{69DF8FC2-9ED1-BB44-8E96-5B069F6C6497}"/>
               </a:ext>
             </a:extLst>
           </p:cNvPr>
@@ -7505,168 +7461,56 @@
           </p:cNvPicPr>
           <p:nvPr/>
         </p:nvPicPr>
-        <p:blipFill rotWithShape="1">
-          <a:blip r:embed="rId3">
-            <a:alphaModFix/>
-          </a:blip>
-          <a:srcRect l="24583" t="2888" r="29917" b="4667"/>
-          <a:stretch/>
+        <p:blipFill>
+          <a:blip r:embed="rId2"/>
+          <a:stretch>
+            <a:fillRect/>
+          </a:stretch>
         </p:blipFill>
         <p:spPr>
           <a:xfrm>
-            <a:off x="6058605" y="1349909"/>
-            <a:ext cx="2672408" cy="4072241"/>
+            <a:off x="7612649" y="993668"/>
+            <a:ext cx="1158461" cy="1158461"/>
           </a:xfrm>
           <a:prstGeom prst="rect">
             <a:avLst/>
           </a:prstGeom>
         </p:spPr>
       </p:pic>
-      <p:grpSp>
-        <p:nvGrpSpPr>
-          <p:cNvPr id="10" name="Group 9">
+      <p:pic>
+        <p:nvPicPr>
+          <p:cNvPr id="19" name="Picture 18" descr="Shape, square&#10;&#10;Description automatically generated">
             <a:extLst>
               <a:ext uri="{FF2B5EF4-FFF2-40B4-BE49-F238E27FC236}">
-                <a16:creationId xmlns:a16="http://schemas.microsoft.com/office/drawing/2014/main" id="{4B69029F-0264-491E-B811-65F7DA3CBBB0}"/>
+                <a16:creationId xmlns:a16="http://schemas.microsoft.com/office/drawing/2014/main" id="{2D46D815-081F-064A-AFA6-098A6E7A3DD2}"/>
               </a:ext>
             </a:extLst>
           </p:cNvPr>
-          <p:cNvGrpSpPr/>
-          <p:nvPr userDrawn="1"/>
-        </p:nvGrpSpPr>
-        <p:grpSpPr>
+          <p:cNvPicPr>
+            <a:picLocks noChangeAspect="1"/>
+          </p:cNvPicPr>
+          <p:nvPr/>
+        </p:nvPicPr>
+        <p:blipFill>
+          <a:blip r:embed="rId3"/>
+          <a:stretch>
+            <a:fillRect/>
+          </a:stretch>
+        </p:blipFill>
+        <p:spPr>
           <a:xfrm>
-            <a:off x="179837" y="5058275"/>
-            <a:ext cx="4773538" cy="1188622"/>
-            <a:chOff x="131592" y="5034964"/>
-            <a:chExt cx="4773538" cy="1188622"/>
-          </a:xfrm>
-        </p:grpSpPr>
-        <p:pic>
-          <p:nvPicPr>
-            <p:cNvPr id="13" name="Picture 12" descr="A picture containing drawing, window&#10;&#10;Description automatically generated">
-              <a:extLst>
-                <a:ext uri="{FF2B5EF4-FFF2-40B4-BE49-F238E27FC236}">
-                  <a16:creationId xmlns:a16="http://schemas.microsoft.com/office/drawing/2014/main" id="{ABD06244-04F9-463D-A4DB-628C04BB8546}"/>
-                </a:ext>
-              </a:extLst>
-            </p:cNvPr>
-            <p:cNvPicPr>
-              <a:picLocks noChangeAspect="1"/>
-            </p:cNvPicPr>
-            <p:nvPr userDrawn="1"/>
-          </p:nvPicPr>
-          <p:blipFill>
-            <a:blip r:embed="rId4"/>
-            <a:stretch>
-              <a:fillRect/>
-            </a:stretch>
-          </p:blipFill>
-          <p:spPr>
-            <a:xfrm>
-              <a:off x="1326564" y="5034964"/>
-              <a:ext cx="1188622" cy="1188622"/>
-            </a:xfrm>
-            <a:prstGeom prst="rect">
-              <a:avLst/>
-            </a:prstGeom>
-          </p:spPr>
-        </p:pic>
-        <p:pic>
-          <p:nvPicPr>
-            <p:cNvPr id="14" name="Picture 13" descr="A picture containing building, drawing&#10;&#10;Description automatically generated">
-              <a:extLst>
-                <a:ext uri="{FF2B5EF4-FFF2-40B4-BE49-F238E27FC236}">
-                  <a16:creationId xmlns:a16="http://schemas.microsoft.com/office/drawing/2014/main" id="{63D75727-DAE8-4F50-8B40-C2AB0C6A949F}"/>
-                </a:ext>
-              </a:extLst>
-            </p:cNvPr>
-            <p:cNvPicPr>
-              <a:picLocks noChangeAspect="1"/>
-            </p:cNvPicPr>
-            <p:nvPr userDrawn="1"/>
-          </p:nvPicPr>
-          <p:blipFill>
-            <a:blip r:embed="rId5"/>
-            <a:stretch>
-              <a:fillRect/>
-            </a:stretch>
-          </p:blipFill>
-          <p:spPr>
-            <a:xfrm>
-              <a:off x="131592" y="5034964"/>
-              <a:ext cx="1188622" cy="1188622"/>
-            </a:xfrm>
-            <a:prstGeom prst="rect">
-              <a:avLst/>
-            </a:prstGeom>
-          </p:spPr>
-        </p:pic>
-        <p:pic>
-          <p:nvPicPr>
-            <p:cNvPr id="15" name="Picture 14" descr="A picture containing drawing, holding&#10;&#10;Description automatically generated">
-              <a:extLst>
-                <a:ext uri="{FF2B5EF4-FFF2-40B4-BE49-F238E27FC236}">
-                  <a16:creationId xmlns:a16="http://schemas.microsoft.com/office/drawing/2014/main" id="{65AA8D01-3E12-417C-866C-09E77342F6AA}"/>
-                </a:ext>
-              </a:extLst>
-            </p:cNvPr>
-            <p:cNvPicPr>
-              <a:picLocks noChangeAspect="1"/>
-            </p:cNvPicPr>
-            <p:nvPr userDrawn="1"/>
-          </p:nvPicPr>
-          <p:blipFill>
-            <a:blip r:embed="rId6"/>
-            <a:stretch>
-              <a:fillRect/>
-            </a:stretch>
-          </p:blipFill>
-          <p:spPr>
-            <a:xfrm>
-              <a:off x="3716508" y="5034964"/>
-              <a:ext cx="1188622" cy="1188622"/>
-            </a:xfrm>
-            <a:prstGeom prst="rect">
-              <a:avLst/>
-            </a:prstGeom>
-          </p:spPr>
-        </p:pic>
-        <p:pic>
-          <p:nvPicPr>
-            <p:cNvPr id="16" name="Picture 15" descr="A picture containing drawing, building, purple, window&#10;&#10;Description automatically generated">
-              <a:extLst>
-                <a:ext uri="{FF2B5EF4-FFF2-40B4-BE49-F238E27FC236}">
-                  <a16:creationId xmlns:a16="http://schemas.microsoft.com/office/drawing/2014/main" id="{BA4509F5-9711-4A35-B736-E2BAFCB547F0}"/>
-                </a:ext>
-              </a:extLst>
-            </p:cNvPr>
-            <p:cNvPicPr>
-              <a:picLocks noChangeAspect="1"/>
-            </p:cNvPicPr>
-            <p:nvPr userDrawn="1"/>
-          </p:nvPicPr>
-          <p:blipFill>
-            <a:blip r:embed="rId7"/>
-            <a:stretch>
-              <a:fillRect/>
-            </a:stretch>
-          </p:blipFill>
-          <p:spPr>
-            <a:xfrm>
-              <a:off x="2521536" y="5034964"/>
-              <a:ext cx="1188622" cy="1188622"/>
-            </a:xfrm>
-            <a:prstGeom prst="rect">
-              <a:avLst/>
-            </a:prstGeom>
-          </p:spPr>
-        </p:pic>
-      </p:grpSp>
+            <a:off x="6399647" y="993669"/>
+            <a:ext cx="1158461" cy="1158461"/>
+          </a:xfrm>
+          <a:prstGeom prst="rect">
+            <a:avLst/>
+          </a:prstGeom>
+        </p:spPr>
+      </p:pic>
     </p:spTree>
     <p:extLst>
       <p:ext uri="{BB962C8B-B14F-4D97-AF65-F5344CB8AC3E}">
-        <p14:creationId xmlns:p14="http://schemas.microsoft.com/office/powerpoint/2010/main" val="1384938059"/>
+        <p14:creationId xmlns:p14="http://schemas.microsoft.com/office/powerpoint/2010/main" val="2172641201"/>
       </p:ext>
     </p:extLst>
   </p:cSld>
@@ -7787,7 +7631,7 @@
         </p:nvSpPr>
         <p:spPr>
           <a:xfrm>
-            <a:off x="156210" y="1140006"/>
+            <a:off x="155088" y="1140006"/>
             <a:ext cx="8831580" cy="5082601"/>
           </a:xfrm>
         </p:spPr>
@@ -7844,7 +7688,7 @@
         </p:nvSpPr>
         <p:spPr>
           <a:xfrm>
-            <a:off x="88409" y="6320803"/>
+            <a:off x="88409" y="6320275"/>
             <a:ext cx="4870585" cy="365125"/>
           </a:xfrm>
           <a:prstGeom prst="rect">
@@ -7879,7 +7723,7 @@
         </p:nvSpPr>
         <p:spPr>
           <a:xfrm>
-            <a:off x="8236372" y="6316853"/>
+            <a:off x="8236372" y="6316501"/>
             <a:ext cx="770468" cy="365125"/>
           </a:xfrm>
           <a:prstGeom prst="rect">
@@ -7937,7 +7781,7 @@
     </p:spTree>
     <p:extLst>
       <p:ext uri="{BB962C8B-B14F-4D97-AF65-F5344CB8AC3E}">
-        <p14:creationId xmlns:p14="http://schemas.microsoft.com/office/powerpoint/2010/main" val="2230882703"/>
+        <p14:creationId xmlns:p14="http://schemas.microsoft.com/office/powerpoint/2010/main" val="3215941735"/>
       </p:ext>
     </p:extLst>
   </p:cSld>
@@ -8445,7 +8289,7 @@
     </p:spTree>
     <p:extLst>
       <p:ext uri="{BB962C8B-B14F-4D97-AF65-F5344CB8AC3E}">
-        <p14:creationId xmlns:p14="http://schemas.microsoft.com/office/powerpoint/2010/main" val="1729976955"/>
+        <p14:creationId xmlns:p14="http://schemas.microsoft.com/office/powerpoint/2010/main" val="3871303942"/>
       </p:ext>
     </p:extLst>
   </p:cSld>
@@ -8829,7 +8673,7 @@
     </p:spTree>
     <p:extLst>
       <p:ext uri="{BB962C8B-B14F-4D97-AF65-F5344CB8AC3E}">
-        <p14:creationId xmlns:p14="http://schemas.microsoft.com/office/powerpoint/2010/main" val="1765690957"/>
+        <p14:creationId xmlns:p14="http://schemas.microsoft.com/office/powerpoint/2010/main" val="1716633803"/>
       </p:ext>
     </p:extLst>
   </p:cSld>
@@ -9302,7 +9146,7 @@
     </p:spTree>
     <p:extLst>
       <p:ext uri="{BB962C8B-B14F-4D97-AF65-F5344CB8AC3E}">
-        <p14:creationId xmlns:p14="http://schemas.microsoft.com/office/powerpoint/2010/main" val="4238276106"/>
+        <p14:creationId xmlns:p14="http://schemas.microsoft.com/office/powerpoint/2010/main" val="1980155025"/>
       </p:ext>
     </p:extLst>
   </p:cSld>
@@ -9536,7 +9380,7 @@
     </p:spTree>
     <p:extLst>
       <p:ext uri="{BB962C8B-B14F-4D97-AF65-F5344CB8AC3E}">
-        <p14:creationId xmlns:p14="http://schemas.microsoft.com/office/powerpoint/2010/main" val="2357002013"/>
+        <p14:creationId xmlns:p14="http://schemas.microsoft.com/office/powerpoint/2010/main" val="2781270402"/>
       </p:ext>
     </p:extLst>
   </p:cSld>
@@ -9999,7 +9843,7 @@
     </p:spTree>
     <p:extLst>
       <p:ext uri="{BB962C8B-B14F-4D97-AF65-F5344CB8AC3E}">
-        <p14:creationId xmlns:p14="http://schemas.microsoft.com/office/powerpoint/2010/main" val="2581133238"/>
+        <p14:creationId xmlns:p14="http://schemas.microsoft.com/office/powerpoint/2010/main" val="2797776671"/>
       </p:ext>
     </p:extLst>
   </p:cSld>
@@ -10423,7 +10267,7 @@
     </p:spTree>
     <p:extLst>
       <p:ext uri="{BB962C8B-B14F-4D97-AF65-F5344CB8AC3E}">
-        <p14:creationId xmlns:p14="http://schemas.microsoft.com/office/powerpoint/2010/main" val="3879755064"/>
+        <p14:creationId xmlns:p14="http://schemas.microsoft.com/office/powerpoint/2010/main" val="1333451185"/>
       </p:ext>
     </p:extLst>
   </p:cSld>
@@ -10714,7 +10558,7 @@
     </p:spTree>
     <p:extLst>
       <p:ext uri="{BB962C8B-B14F-4D97-AF65-F5344CB8AC3E}">
-        <p14:creationId xmlns:p14="http://schemas.microsoft.com/office/powerpoint/2010/main" val="3146579672"/>
+        <p14:creationId xmlns:p14="http://schemas.microsoft.com/office/powerpoint/2010/main" val="3585448113"/>
       </p:ext>
     </p:extLst>
   </p:cSld>
@@ -10963,7 +10807,7 @@
     </p:spTree>
     <p:extLst>
       <p:ext uri="{BB962C8B-B14F-4D97-AF65-F5344CB8AC3E}">
-        <p14:creationId xmlns:p14="http://schemas.microsoft.com/office/powerpoint/2010/main" val="2581231696"/>
+        <p14:creationId xmlns:p14="http://schemas.microsoft.com/office/powerpoint/2010/main" val="3510758032"/>
       </p:ext>
     </p:extLst>
   </p:cSld>
@@ -11228,7 +11072,7 @@
     </p:spTree>
     <p:extLst>
       <p:ext uri="{BB962C8B-B14F-4D97-AF65-F5344CB8AC3E}">
-        <p14:creationId xmlns:p14="http://schemas.microsoft.com/office/powerpoint/2010/main" val="1359078131"/>
+        <p14:creationId xmlns:p14="http://schemas.microsoft.com/office/powerpoint/2010/main" val="4104454850"/>
       </p:ext>
     </p:extLst>
   </p:cSld>
@@ -14303,7 +14147,7 @@
             <a:avLst/>
           </a:prstGeom>
           <a:solidFill>
-            <a:srgbClr val="65D7FF"/>
+            <a:schemeClr val="tx1"/>
           </a:solidFill>
           <a:ln>
             <a:noFill/>
@@ -14347,7 +14191,7 @@
             <a:avLst/>
           </a:prstGeom>
           <a:solidFill>
-            <a:srgbClr val="FFD500"/>
+            <a:srgbClr val="0EAE9F"/>
           </a:solidFill>
           <a:ln>
             <a:noFill/>
@@ -14384,7 +14228,7 @@
             <a:avLst/>
           </a:prstGeom>
           <a:solidFill>
-            <a:srgbClr val="961BDB"/>
+            <a:srgbClr val="FFD500"/>
           </a:solidFill>
           <a:ln>
             <a:noFill/>
@@ -14425,7 +14269,7 @@
         <p:spPr>
           <a:xfrm>
             <a:off x="88409" y="6266485"/>
-            <a:ext cx="4870585" cy="365125"/>
+            <a:ext cx="7599835" cy="365125"/>
           </a:xfrm>
           <a:prstGeom prst="rect">
             <a:avLst/>
@@ -14527,23 +14371,23 @@
     </p:spTree>
     <p:extLst>
       <p:ext uri="{BB962C8B-B14F-4D97-AF65-F5344CB8AC3E}">
-        <p14:creationId xmlns:p14="http://schemas.microsoft.com/office/powerpoint/2010/main" val="585742146"/>
+        <p14:creationId xmlns:p14="http://schemas.microsoft.com/office/powerpoint/2010/main" val="2268432679"/>
       </p:ext>
     </p:extLst>
   </p:cSld>
   <p:clrMap bg1="lt1" tx1="dk1" bg2="lt2" tx2="dk2" accent1="accent1" accent2="accent2" accent3="accent3" accent4="accent4" accent5="accent5" accent6="accent6" hlink="hlink" folHlink="folHlink"/>
   <p:sldLayoutIdLst>
-    <p:sldLayoutId id="2147483763" r:id="rId1"/>
-    <p:sldLayoutId id="2147483764" r:id="rId2"/>
-    <p:sldLayoutId id="2147483765" r:id="rId3"/>
-    <p:sldLayoutId id="2147483766" r:id="rId4"/>
-    <p:sldLayoutId id="2147483767" r:id="rId5"/>
-    <p:sldLayoutId id="2147483768" r:id="rId6"/>
-    <p:sldLayoutId id="2147483769" r:id="rId7"/>
-    <p:sldLayoutId id="2147483770" r:id="rId8"/>
-    <p:sldLayoutId id="2147483771" r:id="rId9"/>
-    <p:sldLayoutId id="2147483772" r:id="rId10"/>
-    <p:sldLayoutId id="2147483773" r:id="rId11"/>
+    <p:sldLayoutId id="2147483775" r:id="rId1"/>
+    <p:sldLayoutId id="2147483776" r:id="rId2"/>
+    <p:sldLayoutId id="2147483777" r:id="rId3"/>
+    <p:sldLayoutId id="2147483778" r:id="rId4"/>
+    <p:sldLayoutId id="2147483779" r:id="rId5"/>
+    <p:sldLayoutId id="2147483780" r:id="rId6"/>
+    <p:sldLayoutId id="2147483781" r:id="rId7"/>
+    <p:sldLayoutId id="2147483782" r:id="rId8"/>
+    <p:sldLayoutId id="2147483783" r:id="rId9"/>
+    <p:sldLayoutId id="2147483784" r:id="rId10"/>
+    <p:sldLayoutId id="2147483785" r:id="rId11"/>
   </p:sldLayoutIdLst>
   <p:hf hdr="0" dt="0"/>
   <p:txStyles>
@@ -14951,12 +14795,7 @@
             <p:ph type="ctrTitle"/>
           </p:nvPr>
         </p:nvSpPr>
-        <p:spPr>
-          <a:xfrm>
-            <a:off x="242754" y="2300865"/>
-            <a:ext cx="5815852" cy="1504844"/>
-          </a:xfrm>
-        </p:spPr>
+        <p:spPr/>
         <p:txBody>
           <a:bodyPr/>
           <a:lstStyle/>
@@ -14978,12 +14817,7 @@
             <p:ph type="subTitle" idx="1"/>
           </p:nvPr>
         </p:nvSpPr>
-        <p:spPr>
-          <a:xfrm>
-            <a:off x="316712" y="3800535"/>
-            <a:ext cx="5741894" cy="590321"/>
-          </a:xfrm>
-        </p:spPr>
+        <p:spPr/>
         <p:txBody>
           <a:bodyPr>
             <a:normAutofit/>
@@ -15987,6 +15821,35 @@
       </p:sp>
       <p:sp>
         <p:nvSpPr>
+          <p:cNvPr id="4" name="Slide Number Placeholder 3">
+            <a:extLst>
+              <a:ext uri="{FF2B5EF4-FFF2-40B4-BE49-F238E27FC236}">
+                <a16:creationId xmlns:a16="http://schemas.microsoft.com/office/drawing/2014/main" id="{54923C0D-4F2D-42F7-886A-492897A100B4}"/>
+              </a:ext>
+            </a:extLst>
+          </p:cNvPr>
+          <p:cNvSpPr>
+            <a:spLocks noGrp="1"/>
+          </p:cNvSpPr>
+          <p:nvPr>
+            <p:ph type="sldNum" sz="quarter" idx="12"/>
+          </p:nvPr>
+        </p:nvSpPr>
+        <p:spPr/>
+        <p:txBody>
+          <a:bodyPr/>
+          <a:lstStyle/>
+          <a:p>
+            <a:fld id="{4DBC7FC8-25FB-FC45-8177-2B991DA6778C}" type="slidenum">
+              <a:rPr lang="en-US" smtClean="0"/>
+              <a:t>12</a:t>
+            </a:fld>
+            <a:endParaRPr lang="en-US"/>
+          </a:p>
+        </p:txBody>
+      </p:sp>
+      <p:sp>
+        <p:nvSpPr>
           <p:cNvPr id="7" name="Content Placeholder 2">
             <a:extLst>
               <a:ext uri="{FF2B5EF4-FFF2-40B4-BE49-F238E27FC236}">
@@ -16237,35 +16100,6 @@
               <a:rPr lang="en-US" dirty="0"/>
               <a:t>The stop() function makes the robot stop</a:t>
             </a:r>
-          </a:p>
-        </p:txBody>
-      </p:sp>
-      <p:sp>
-        <p:nvSpPr>
-          <p:cNvPr id="4" name="Slide Number Placeholder 3">
-            <a:extLst>
-              <a:ext uri="{FF2B5EF4-FFF2-40B4-BE49-F238E27FC236}">
-                <a16:creationId xmlns:a16="http://schemas.microsoft.com/office/drawing/2014/main" id="{54923C0D-4F2D-42F7-886A-492897A100B4}"/>
-              </a:ext>
-            </a:extLst>
-          </p:cNvPr>
-          <p:cNvSpPr>
-            <a:spLocks noGrp="1"/>
-          </p:cNvSpPr>
-          <p:nvPr>
-            <p:ph type="sldNum" sz="quarter" idx="12"/>
-          </p:nvPr>
-        </p:nvSpPr>
-        <p:spPr/>
-        <p:txBody>
-          <a:bodyPr/>
-          <a:lstStyle/>
-          <a:p>
-            <a:fld id="{4DBC7FC8-25FB-FC45-8177-2B991DA6778C}" type="slidenum">
-              <a:rPr lang="en-US" smtClean="0"/>
-              <a:t>12</a:t>
-            </a:fld>
-            <a:endParaRPr lang="en-US"/>
           </a:p>
         </p:txBody>
       </p:sp>
@@ -16633,6 +16467,35 @@
       </p:sp>
       <p:sp>
         <p:nvSpPr>
+          <p:cNvPr id="7" name="Slide Number Placeholder 6">
+            <a:extLst>
+              <a:ext uri="{FF2B5EF4-FFF2-40B4-BE49-F238E27FC236}">
+                <a16:creationId xmlns:a16="http://schemas.microsoft.com/office/drawing/2014/main" id="{F6739919-47A8-43E0-85A2-F648492C26DE}"/>
+              </a:ext>
+            </a:extLst>
+          </p:cNvPr>
+          <p:cNvSpPr>
+            <a:spLocks noGrp="1"/>
+          </p:cNvSpPr>
+          <p:nvPr>
+            <p:ph type="sldNum" sz="quarter" idx="12"/>
+          </p:nvPr>
+        </p:nvSpPr>
+        <p:spPr/>
+        <p:txBody>
+          <a:bodyPr/>
+          <a:lstStyle/>
+          <a:p>
+            <a:fld id="{BBD74847-7BE4-4E4D-8159-51DF7B93C616}" type="slidenum">
+              <a:rPr lang="en-US" smtClean="0"/>
+              <a:t>13</a:t>
+            </a:fld>
+            <a:endParaRPr lang="en-US"/>
+          </a:p>
+        </p:txBody>
+      </p:sp>
+      <p:sp>
+        <p:nvSpPr>
           <p:cNvPr id="5" name="Rectangle 4"/>
           <p:cNvSpPr>
             <a:spLocks noChangeArrowheads="1"/>
@@ -16656,7 +16519,7 @@
           <a:effectLst/>
           <a:extLst>
             <a:ext uri="{91240B29-F687-4f45-9708-019B960494DF}">
-              <a14:hiddenLine xmlns:a14="http://schemas.microsoft.com/office/drawing/2010/main" xmlns="" w="9525">
+              <a14:hiddenLine xmlns="" xmlns:a14="http://schemas.microsoft.com/office/drawing/2010/main" w="9525">
                 <a:solidFill>
                   <a:schemeClr val="tx1"/>
                 </a:solidFill>
@@ -16666,7 +16529,7 @@
               </a14:hiddenLine>
             </a:ext>
             <a:ext uri="{AF507438-7753-43e0-B8FC-AC1667EBCBE1}">
-              <a14:hiddenEffects xmlns:a14="http://schemas.microsoft.com/office/drawing/2010/main" xmlns="">
+              <a14:hiddenEffects xmlns="" xmlns:a14="http://schemas.microsoft.com/office/drawing/2010/main">
                 <a:effectLst>
                   <a:outerShdw dist="35921" dir="2700000" algn="ctr" rotWithShape="0">
                     <a:schemeClr val="bg2"/>
@@ -17007,7 +16870,7 @@
           <a:noFill/>
           <a:extLst>
             <a:ext uri="{909E8E84-426E-40dd-AFC4-6F175D3DCCD1}">
-              <a14:hiddenFill xmlns:a14="http://schemas.microsoft.com/office/drawing/2010/main" xmlns="">
+              <a14:hiddenFill xmlns="" xmlns:a14="http://schemas.microsoft.com/office/drawing/2010/main">
                 <a:solidFill>
                   <a:srgbClr val="FFFFFF"/>
                 </a:solidFill>
@@ -17016,35 +16879,6 @@
           </a:extLst>
         </p:spPr>
       </p:pic>
-      <p:sp>
-        <p:nvSpPr>
-          <p:cNvPr id="7" name="Slide Number Placeholder 6">
-            <a:extLst>
-              <a:ext uri="{FF2B5EF4-FFF2-40B4-BE49-F238E27FC236}">
-                <a16:creationId xmlns:a16="http://schemas.microsoft.com/office/drawing/2014/main" id="{F6739919-47A8-43E0-85A2-F648492C26DE}"/>
-              </a:ext>
-            </a:extLst>
-          </p:cNvPr>
-          <p:cNvSpPr>
-            <a:spLocks noGrp="1"/>
-          </p:cNvSpPr>
-          <p:nvPr>
-            <p:ph type="sldNum" sz="quarter" idx="12"/>
-          </p:nvPr>
-        </p:nvSpPr>
-        <p:spPr/>
-        <p:txBody>
-          <a:bodyPr/>
-          <a:lstStyle/>
-          <a:p>
-            <a:fld id="{BBD74847-7BE4-4E4D-8159-51DF7B93C616}" type="slidenum">
-              <a:rPr lang="en-US" smtClean="0"/>
-              <a:t>13</a:t>
-            </a:fld>
-            <a:endParaRPr lang="en-US"/>
-          </a:p>
-        </p:txBody>
-      </p:sp>
     </p:spTree>
     <p:extLst>
       <p:ext uri="{BB962C8B-B14F-4D97-AF65-F5344CB8AC3E}">
@@ -17114,24 +16948,29 @@
           </a:bodyPr>
           <a:lstStyle/>
           <a:p>
+            <a:r>
+              <a:rPr lang="en-US" dirty="0"/>
+              <a:t>Learn how to make your robot go forward and backwards</a:t>
+            </a:r>
+          </a:p>
+          <a:p>
+            <a:r>
+              <a:rPr lang="en-US" dirty="0"/>
+              <a:t>Learn how to use the Move functions</a:t>
+            </a:r>
+          </a:p>
+          <a:p>
+            <a:r>
+              <a:rPr lang="en-US" dirty="0"/>
+              <a:t>Note:  Although images in this lessons may show a SPIKE Prime, the code blocks are the same for Robot Inventor</a:t>
+            </a:r>
+          </a:p>
+          <a:p>
             <a:pPr marL="457200" indent="-457200">
               <a:buFont typeface="+mj-lt"/>
               <a:buAutoNum type="arabicPeriod"/>
             </a:pPr>
-            <a:r>
-              <a:rPr lang="en-US" dirty="0"/>
-              <a:t>Learn how to make your robot go forward and backwards</a:t>
-            </a:r>
-          </a:p>
-          <a:p>
-            <a:pPr marL="457200" indent="-457200">
-              <a:buFont typeface="+mj-lt"/>
-              <a:buAutoNum type="arabicPeriod"/>
-            </a:pPr>
-            <a:r>
-              <a:rPr lang="en-US" dirty="0"/>
-              <a:t>Learn how to use the Move functions</a:t>
-            </a:r>
+            <a:endParaRPr lang="en-US" dirty="0"/>
           </a:p>
         </p:txBody>
       </p:sp>
@@ -18314,6 +18153,319 @@
       </p:sp>
       <p:sp>
         <p:nvSpPr>
+          <p:cNvPr id="32" name="Content Placeholder 54">
+            <a:extLst>
+              <a:ext uri="{FF2B5EF4-FFF2-40B4-BE49-F238E27FC236}">
+                <a16:creationId xmlns:a16="http://schemas.microsoft.com/office/drawing/2014/main" id="{44A2685C-A492-4ED8-BDAF-E11C956F157A}"/>
+              </a:ext>
+            </a:extLst>
+          </p:cNvPr>
+          <p:cNvSpPr>
+            <a:spLocks noGrp="1"/>
+          </p:cNvSpPr>
+          <p:nvPr>
+            <p:ph idx="1"/>
+          </p:nvPr>
+        </p:nvSpPr>
+        <p:spPr>
+          <a:xfrm>
+            <a:off x="271849" y="4848039"/>
+            <a:ext cx="5962791" cy="1278124"/>
+          </a:xfrm>
+        </p:spPr>
+        <p:txBody>
+          <a:bodyPr>
+            <a:normAutofit fontScale="92500"/>
+          </a:bodyPr>
+          <a:lstStyle/>
+          <a:p>
+            <a:pPr marL="0" indent="0">
+              <a:buNone/>
+            </a:pPr>
+            <a:r>
+              <a:rPr lang="en-GB" sz="1800" b="0" i="0" dirty="0">
+                <a:solidFill>
+                  <a:srgbClr val="000000"/>
+                </a:solidFill>
+                <a:effectLst/>
+                <a:latin typeface="Consolas" panose="020B0609020204030204" pitchFamily="49" charset="0"/>
+              </a:rPr>
+              <a:t>unit=</a:t>
+            </a:r>
+            <a:r>
+              <a:rPr lang="en-GB" sz="1800" b="0" i="0" dirty="0">
+                <a:solidFill>
+                  <a:srgbClr val="D8009B"/>
+                </a:solidFill>
+                <a:effectLst/>
+                <a:latin typeface="Consolas" panose="020B0609020204030204" pitchFamily="49" charset="0"/>
+              </a:rPr>
+              <a:t>'cm'</a:t>
+            </a:r>
+            <a:r>
+              <a:rPr lang="en-GB" dirty="0">
+                <a:solidFill>
+                  <a:schemeClr val="tx1"/>
+                </a:solidFill>
+              </a:rPr>
+              <a:t>,</a:t>
+            </a:r>
+            <a:r>
+              <a:rPr lang="en-GB" dirty="0">
+                <a:solidFill>
+                  <a:schemeClr val="tx1"/>
+                </a:solidFill>
+                <a:latin typeface="Consolas" panose="020B0609020204030204" pitchFamily="49" charset="0"/>
+              </a:rPr>
+              <a:t> </a:t>
+            </a:r>
+            <a:r>
+              <a:rPr lang="en-GB" sz="1800" b="0" i="0" dirty="0" err="1">
+                <a:solidFill>
+                  <a:srgbClr val="000000"/>
+                </a:solidFill>
+                <a:effectLst/>
+                <a:latin typeface="Consolas" panose="020B0609020204030204" pitchFamily="49" charset="0"/>
+              </a:rPr>
+              <a:t>left_speed</a:t>
+            </a:r>
+            <a:r>
+              <a:rPr lang="en-GB" sz="1800" b="0" i="0" dirty="0">
+                <a:solidFill>
+                  <a:srgbClr val="000000"/>
+                </a:solidFill>
+                <a:effectLst/>
+                <a:latin typeface="Consolas" panose="020B0609020204030204" pitchFamily="49" charset="0"/>
+              </a:rPr>
+              <a:t>=</a:t>
+            </a:r>
+            <a:r>
+              <a:rPr lang="en-US" sz="1800" b="0" dirty="0">
+                <a:solidFill>
+                  <a:srgbClr val="0078CC"/>
+                </a:solidFill>
+                <a:effectLst/>
+                <a:latin typeface="Consolas" panose="020B0609020204030204" pitchFamily="49" charset="0"/>
+              </a:rPr>
+              <a:t>None</a:t>
+            </a:r>
+            <a:r>
+              <a:rPr lang="en-US" sz="1800" b="0" dirty="0">
+                <a:solidFill>
+                  <a:schemeClr val="tx1"/>
+                </a:solidFill>
+                <a:effectLst/>
+              </a:rPr>
+              <a:t>,</a:t>
+            </a:r>
+            <a:r>
+              <a:rPr lang="en-US" sz="1800" b="0" dirty="0">
+                <a:solidFill>
+                  <a:srgbClr val="0078CC"/>
+                </a:solidFill>
+                <a:effectLst/>
+              </a:rPr>
+              <a:t> </a:t>
+            </a:r>
+            <a:r>
+              <a:rPr lang="en-GB" sz="1800" b="0" i="0" dirty="0">
+                <a:solidFill>
+                  <a:srgbClr val="000000"/>
+                </a:solidFill>
+                <a:effectLst/>
+              </a:rPr>
+              <a:t>and</a:t>
+            </a:r>
+            <a:r>
+              <a:rPr lang="en-GB" sz="1800" b="0" i="0" dirty="0">
+                <a:solidFill>
+                  <a:srgbClr val="000000"/>
+                </a:solidFill>
+                <a:effectLst/>
+                <a:latin typeface="Consolas" panose="020B0609020204030204" pitchFamily="49" charset="0"/>
+              </a:rPr>
+              <a:t> </a:t>
+            </a:r>
+            <a:r>
+              <a:rPr lang="en-GB" sz="1800" b="0" i="0" dirty="0" err="1">
+                <a:solidFill>
+                  <a:srgbClr val="000000"/>
+                </a:solidFill>
+                <a:effectLst/>
+                <a:latin typeface="Consolas" panose="020B0609020204030204" pitchFamily="49" charset="0"/>
+              </a:rPr>
+              <a:t>right_speed</a:t>
+            </a:r>
+            <a:r>
+              <a:rPr lang="en-GB" sz="1800" b="0" i="0" dirty="0">
+                <a:solidFill>
+                  <a:srgbClr val="000000"/>
+                </a:solidFill>
+                <a:effectLst/>
+                <a:latin typeface="Consolas" panose="020B0609020204030204" pitchFamily="49" charset="0"/>
+              </a:rPr>
+              <a:t>=</a:t>
+            </a:r>
+            <a:r>
+              <a:rPr lang="en-US" sz="1800" b="0" dirty="0">
+                <a:solidFill>
+                  <a:srgbClr val="0078CC"/>
+                </a:solidFill>
+                <a:effectLst/>
+                <a:latin typeface="Consolas" panose="020B0609020204030204" pitchFamily="49" charset="0"/>
+              </a:rPr>
+              <a:t>None</a:t>
+            </a:r>
+            <a:r>
+              <a:rPr lang="en-GB" dirty="0">
+                <a:solidFill>
+                  <a:schemeClr val="tx1"/>
+                </a:solidFill>
+              </a:rPr>
+              <a:t>, are the default values if nothing is set.  When </a:t>
+            </a:r>
+            <a:r>
+              <a:rPr lang="en-GB" dirty="0" err="1">
+                <a:solidFill>
+                  <a:schemeClr val="tx1"/>
+                </a:solidFill>
+              </a:rPr>
+              <a:t>left_</a:t>
+            </a:r>
+            <a:r>
+              <a:rPr lang="en-GB" sz="1800" b="0" i="0" dirty="0" err="1">
+                <a:solidFill>
+                  <a:srgbClr val="000000"/>
+                </a:solidFill>
+                <a:effectLst/>
+                <a:latin typeface="Consolas" panose="020B0609020204030204" pitchFamily="49" charset="0"/>
+              </a:rPr>
+              <a:t>speed</a:t>
+            </a:r>
+            <a:r>
+              <a:rPr lang="en-GB" sz="1800" b="0" i="0" dirty="0">
+                <a:solidFill>
+                  <a:srgbClr val="000000"/>
+                </a:solidFill>
+                <a:effectLst/>
+                <a:latin typeface="Consolas" panose="020B0609020204030204" pitchFamily="49" charset="0"/>
+              </a:rPr>
+              <a:t>=</a:t>
+            </a:r>
+            <a:r>
+              <a:rPr lang="en-US" sz="1800" b="0" dirty="0">
+                <a:solidFill>
+                  <a:srgbClr val="0078CC"/>
+                </a:solidFill>
+                <a:effectLst/>
+                <a:latin typeface="Consolas" panose="020B0609020204030204" pitchFamily="49" charset="0"/>
+              </a:rPr>
+              <a:t>None</a:t>
+            </a:r>
+            <a:r>
+              <a:rPr lang="en-US" sz="1800" b="0" dirty="0">
+                <a:solidFill>
+                  <a:srgbClr val="0078CC"/>
+                </a:solidFill>
+                <a:effectLst/>
+              </a:rPr>
+              <a:t> </a:t>
+            </a:r>
+            <a:r>
+              <a:rPr lang="en-US" sz="1800" b="0" dirty="0">
+                <a:solidFill>
+                  <a:schemeClr val="tx1"/>
+                </a:solidFill>
+                <a:effectLst/>
+              </a:rPr>
+              <a:t>and/or</a:t>
+            </a:r>
+            <a:r>
+              <a:rPr lang="en-US" sz="1800" b="0" dirty="0">
+                <a:solidFill>
+                  <a:srgbClr val="0078CC"/>
+                </a:solidFill>
+                <a:effectLst/>
+              </a:rPr>
+              <a:t> </a:t>
+            </a:r>
+            <a:r>
+              <a:rPr lang="en-GB" sz="1800" b="0" i="0" dirty="0" err="1">
+                <a:solidFill>
+                  <a:srgbClr val="000000"/>
+                </a:solidFill>
+                <a:effectLst/>
+                <a:latin typeface="Consolas" panose="020B0609020204030204" pitchFamily="49" charset="0"/>
+              </a:rPr>
+              <a:t>right_speed</a:t>
+            </a:r>
+            <a:r>
+              <a:rPr lang="en-GB" sz="1800" b="0" i="0" dirty="0">
+                <a:solidFill>
+                  <a:srgbClr val="000000"/>
+                </a:solidFill>
+                <a:effectLst/>
+                <a:latin typeface="Consolas" panose="020B0609020204030204" pitchFamily="49" charset="0"/>
+              </a:rPr>
+              <a:t>=</a:t>
+            </a:r>
+            <a:r>
+              <a:rPr lang="en-US" sz="1800" b="0" dirty="0">
+                <a:solidFill>
+                  <a:srgbClr val="0078CC"/>
+                </a:solidFill>
+                <a:effectLst/>
+                <a:latin typeface="Consolas" panose="020B0609020204030204" pitchFamily="49" charset="0"/>
+              </a:rPr>
+              <a:t>None</a:t>
+            </a:r>
+            <a:r>
+              <a:rPr lang="en-US" dirty="0">
+                <a:solidFill>
+                  <a:schemeClr val="tx1"/>
+                </a:solidFill>
+              </a:rPr>
+              <a:t>, the speed value used is the default speed set by </a:t>
+            </a:r>
+            <a:r>
+              <a:rPr lang="en-GB" sz="1800" b="0" i="0" dirty="0" err="1">
+                <a:solidFill>
+                  <a:srgbClr val="000000"/>
+                </a:solidFill>
+                <a:effectLst/>
+                <a:latin typeface="Consolas" panose="020B0609020204030204" pitchFamily="49" charset="0"/>
+              </a:rPr>
+              <a:t>set_default_speed</a:t>
+            </a:r>
+            <a:r>
+              <a:rPr lang="en-US" sz="1800" b="0" dirty="0">
+                <a:solidFill>
+                  <a:srgbClr val="00877B"/>
+                </a:solidFill>
+                <a:effectLst/>
+                <a:latin typeface="Consolas" panose="020B0609020204030204" pitchFamily="49" charset="0"/>
+              </a:rPr>
+              <a:t>()</a:t>
+            </a:r>
+            <a:r>
+              <a:rPr lang="en-US" sz="1800" b="0" dirty="0">
+                <a:solidFill>
+                  <a:schemeClr val="tx1"/>
+                </a:solidFill>
+                <a:effectLst/>
+              </a:rPr>
+              <a:t>.</a:t>
+            </a:r>
+            <a:endParaRPr lang="en-US" dirty="0">
+              <a:solidFill>
+                <a:schemeClr val="tx1"/>
+              </a:solidFill>
+            </a:endParaRPr>
+          </a:p>
+        </p:txBody>
+      </p:sp>
+      <p:sp>
+        <p:nvSpPr>
           <p:cNvPr id="3" name="Footer Placeholder 2">
             <a:extLst>
               <a:ext uri="{FF2B5EF4-FFF2-40B4-BE49-F238E27FC236}">
@@ -19159,319 +19311,6 @@
             <a:endParaRPr lang="en-US" sz="1600" dirty="0">
               <a:solidFill>
                 <a:srgbClr val="FF7D00"/>
-              </a:solidFill>
-            </a:endParaRPr>
-          </a:p>
-        </p:txBody>
-      </p:sp>
-      <p:sp>
-        <p:nvSpPr>
-          <p:cNvPr id="32" name="Content Placeholder 54">
-            <a:extLst>
-              <a:ext uri="{FF2B5EF4-FFF2-40B4-BE49-F238E27FC236}">
-                <a16:creationId xmlns:a16="http://schemas.microsoft.com/office/drawing/2014/main" id="{44A2685C-A492-4ED8-BDAF-E11C956F157A}"/>
-              </a:ext>
-            </a:extLst>
-          </p:cNvPr>
-          <p:cNvSpPr>
-            <a:spLocks noGrp="1"/>
-          </p:cNvSpPr>
-          <p:nvPr>
-            <p:ph idx="1"/>
-          </p:nvPr>
-        </p:nvSpPr>
-        <p:spPr>
-          <a:xfrm>
-            <a:off x="271849" y="4848039"/>
-            <a:ext cx="5962791" cy="1278124"/>
-          </a:xfrm>
-        </p:spPr>
-        <p:txBody>
-          <a:bodyPr>
-            <a:normAutofit fontScale="92500"/>
-          </a:bodyPr>
-          <a:lstStyle/>
-          <a:p>
-            <a:pPr marL="0" indent="0">
-              <a:buNone/>
-            </a:pPr>
-            <a:r>
-              <a:rPr lang="en-GB" sz="1800" b="0" i="0" dirty="0">
-                <a:solidFill>
-                  <a:srgbClr val="000000"/>
-                </a:solidFill>
-                <a:effectLst/>
-                <a:latin typeface="Consolas" panose="020B0609020204030204" pitchFamily="49" charset="0"/>
-              </a:rPr>
-              <a:t>unit=</a:t>
-            </a:r>
-            <a:r>
-              <a:rPr lang="en-GB" sz="1800" b="0" i="0" dirty="0">
-                <a:solidFill>
-                  <a:srgbClr val="D8009B"/>
-                </a:solidFill>
-                <a:effectLst/>
-                <a:latin typeface="Consolas" panose="020B0609020204030204" pitchFamily="49" charset="0"/>
-              </a:rPr>
-              <a:t>'cm'</a:t>
-            </a:r>
-            <a:r>
-              <a:rPr lang="en-GB" dirty="0">
-                <a:solidFill>
-                  <a:schemeClr val="tx1"/>
-                </a:solidFill>
-              </a:rPr>
-              <a:t>,</a:t>
-            </a:r>
-            <a:r>
-              <a:rPr lang="en-GB" dirty="0">
-                <a:solidFill>
-                  <a:schemeClr val="tx1"/>
-                </a:solidFill>
-                <a:latin typeface="Consolas" panose="020B0609020204030204" pitchFamily="49" charset="0"/>
-              </a:rPr>
-              <a:t> </a:t>
-            </a:r>
-            <a:r>
-              <a:rPr lang="en-GB" sz="1800" b="0" i="0" dirty="0" err="1">
-                <a:solidFill>
-                  <a:srgbClr val="000000"/>
-                </a:solidFill>
-                <a:effectLst/>
-                <a:latin typeface="Consolas" panose="020B0609020204030204" pitchFamily="49" charset="0"/>
-              </a:rPr>
-              <a:t>left_speed</a:t>
-            </a:r>
-            <a:r>
-              <a:rPr lang="en-GB" sz="1800" b="0" i="0" dirty="0">
-                <a:solidFill>
-                  <a:srgbClr val="000000"/>
-                </a:solidFill>
-                <a:effectLst/>
-                <a:latin typeface="Consolas" panose="020B0609020204030204" pitchFamily="49" charset="0"/>
-              </a:rPr>
-              <a:t>=</a:t>
-            </a:r>
-            <a:r>
-              <a:rPr lang="en-US" sz="1800" b="0" dirty="0">
-                <a:solidFill>
-                  <a:srgbClr val="0078CC"/>
-                </a:solidFill>
-                <a:effectLst/>
-                <a:latin typeface="Consolas" panose="020B0609020204030204" pitchFamily="49" charset="0"/>
-              </a:rPr>
-              <a:t>None</a:t>
-            </a:r>
-            <a:r>
-              <a:rPr lang="en-US" sz="1800" b="0" dirty="0">
-                <a:solidFill>
-                  <a:schemeClr val="tx1"/>
-                </a:solidFill>
-                <a:effectLst/>
-              </a:rPr>
-              <a:t>,</a:t>
-            </a:r>
-            <a:r>
-              <a:rPr lang="en-US" sz="1800" b="0" dirty="0">
-                <a:solidFill>
-                  <a:srgbClr val="0078CC"/>
-                </a:solidFill>
-                <a:effectLst/>
-              </a:rPr>
-              <a:t> </a:t>
-            </a:r>
-            <a:r>
-              <a:rPr lang="en-GB" sz="1800" b="0" i="0" dirty="0">
-                <a:solidFill>
-                  <a:srgbClr val="000000"/>
-                </a:solidFill>
-                <a:effectLst/>
-              </a:rPr>
-              <a:t>and</a:t>
-            </a:r>
-            <a:r>
-              <a:rPr lang="en-GB" sz="1800" b="0" i="0" dirty="0">
-                <a:solidFill>
-                  <a:srgbClr val="000000"/>
-                </a:solidFill>
-                <a:effectLst/>
-                <a:latin typeface="Consolas" panose="020B0609020204030204" pitchFamily="49" charset="0"/>
-              </a:rPr>
-              <a:t> </a:t>
-            </a:r>
-            <a:r>
-              <a:rPr lang="en-GB" sz="1800" b="0" i="0" dirty="0" err="1">
-                <a:solidFill>
-                  <a:srgbClr val="000000"/>
-                </a:solidFill>
-                <a:effectLst/>
-                <a:latin typeface="Consolas" panose="020B0609020204030204" pitchFamily="49" charset="0"/>
-              </a:rPr>
-              <a:t>right_speed</a:t>
-            </a:r>
-            <a:r>
-              <a:rPr lang="en-GB" sz="1800" b="0" i="0" dirty="0">
-                <a:solidFill>
-                  <a:srgbClr val="000000"/>
-                </a:solidFill>
-                <a:effectLst/>
-                <a:latin typeface="Consolas" panose="020B0609020204030204" pitchFamily="49" charset="0"/>
-              </a:rPr>
-              <a:t>=</a:t>
-            </a:r>
-            <a:r>
-              <a:rPr lang="en-US" sz="1800" b="0" dirty="0">
-                <a:solidFill>
-                  <a:srgbClr val="0078CC"/>
-                </a:solidFill>
-                <a:effectLst/>
-                <a:latin typeface="Consolas" panose="020B0609020204030204" pitchFamily="49" charset="0"/>
-              </a:rPr>
-              <a:t>None</a:t>
-            </a:r>
-            <a:r>
-              <a:rPr lang="en-GB" dirty="0">
-                <a:solidFill>
-                  <a:schemeClr val="tx1"/>
-                </a:solidFill>
-              </a:rPr>
-              <a:t>, are the default values if nothing is set.  When </a:t>
-            </a:r>
-            <a:r>
-              <a:rPr lang="en-GB" dirty="0" err="1">
-                <a:solidFill>
-                  <a:schemeClr val="tx1"/>
-                </a:solidFill>
-              </a:rPr>
-              <a:t>left_</a:t>
-            </a:r>
-            <a:r>
-              <a:rPr lang="en-GB" sz="1800" b="0" i="0" dirty="0" err="1">
-                <a:solidFill>
-                  <a:srgbClr val="000000"/>
-                </a:solidFill>
-                <a:effectLst/>
-                <a:latin typeface="Consolas" panose="020B0609020204030204" pitchFamily="49" charset="0"/>
-              </a:rPr>
-              <a:t>speed</a:t>
-            </a:r>
-            <a:r>
-              <a:rPr lang="en-GB" sz="1800" b="0" i="0" dirty="0">
-                <a:solidFill>
-                  <a:srgbClr val="000000"/>
-                </a:solidFill>
-                <a:effectLst/>
-                <a:latin typeface="Consolas" panose="020B0609020204030204" pitchFamily="49" charset="0"/>
-              </a:rPr>
-              <a:t>=</a:t>
-            </a:r>
-            <a:r>
-              <a:rPr lang="en-US" sz="1800" b="0" dirty="0">
-                <a:solidFill>
-                  <a:srgbClr val="0078CC"/>
-                </a:solidFill>
-                <a:effectLst/>
-                <a:latin typeface="Consolas" panose="020B0609020204030204" pitchFamily="49" charset="0"/>
-              </a:rPr>
-              <a:t>None</a:t>
-            </a:r>
-            <a:r>
-              <a:rPr lang="en-US" sz="1800" b="0" dirty="0">
-                <a:solidFill>
-                  <a:srgbClr val="0078CC"/>
-                </a:solidFill>
-                <a:effectLst/>
-              </a:rPr>
-              <a:t> </a:t>
-            </a:r>
-            <a:r>
-              <a:rPr lang="en-US" sz="1800" b="0" dirty="0">
-                <a:solidFill>
-                  <a:schemeClr val="tx1"/>
-                </a:solidFill>
-                <a:effectLst/>
-              </a:rPr>
-              <a:t>and/or</a:t>
-            </a:r>
-            <a:r>
-              <a:rPr lang="en-US" sz="1800" b="0" dirty="0">
-                <a:solidFill>
-                  <a:srgbClr val="0078CC"/>
-                </a:solidFill>
-                <a:effectLst/>
-              </a:rPr>
-              <a:t> </a:t>
-            </a:r>
-            <a:r>
-              <a:rPr lang="en-GB" sz="1800" b="0" i="0" dirty="0" err="1">
-                <a:solidFill>
-                  <a:srgbClr val="000000"/>
-                </a:solidFill>
-                <a:effectLst/>
-                <a:latin typeface="Consolas" panose="020B0609020204030204" pitchFamily="49" charset="0"/>
-              </a:rPr>
-              <a:t>right_speed</a:t>
-            </a:r>
-            <a:r>
-              <a:rPr lang="en-GB" sz="1800" b="0" i="0" dirty="0">
-                <a:solidFill>
-                  <a:srgbClr val="000000"/>
-                </a:solidFill>
-                <a:effectLst/>
-                <a:latin typeface="Consolas" panose="020B0609020204030204" pitchFamily="49" charset="0"/>
-              </a:rPr>
-              <a:t>=</a:t>
-            </a:r>
-            <a:r>
-              <a:rPr lang="en-US" sz="1800" b="0" dirty="0">
-                <a:solidFill>
-                  <a:srgbClr val="0078CC"/>
-                </a:solidFill>
-                <a:effectLst/>
-                <a:latin typeface="Consolas" panose="020B0609020204030204" pitchFamily="49" charset="0"/>
-              </a:rPr>
-              <a:t>None</a:t>
-            </a:r>
-            <a:r>
-              <a:rPr lang="en-US" dirty="0">
-                <a:solidFill>
-                  <a:schemeClr val="tx1"/>
-                </a:solidFill>
-              </a:rPr>
-              <a:t>, the speed value used is the default speed set by </a:t>
-            </a:r>
-            <a:r>
-              <a:rPr lang="en-GB" sz="1800" b="0" i="0" dirty="0" err="1">
-                <a:solidFill>
-                  <a:srgbClr val="000000"/>
-                </a:solidFill>
-                <a:effectLst/>
-                <a:latin typeface="Consolas" panose="020B0609020204030204" pitchFamily="49" charset="0"/>
-              </a:rPr>
-              <a:t>set_default_speed</a:t>
-            </a:r>
-            <a:r>
-              <a:rPr lang="en-US" sz="1800" b="0" dirty="0">
-                <a:solidFill>
-                  <a:srgbClr val="00877B"/>
-                </a:solidFill>
-                <a:effectLst/>
-                <a:latin typeface="Consolas" panose="020B0609020204030204" pitchFamily="49" charset="0"/>
-              </a:rPr>
-              <a:t>()</a:t>
-            </a:r>
-            <a:r>
-              <a:rPr lang="en-US" sz="1800" b="0" dirty="0">
-                <a:solidFill>
-                  <a:schemeClr val="tx1"/>
-                </a:solidFill>
-                <a:effectLst/>
-              </a:rPr>
-              <a:t>.</a:t>
-            </a:r>
-            <a:endParaRPr lang="en-US" dirty="0">
-              <a:solidFill>
-                <a:schemeClr val="tx1"/>
               </a:solidFill>
             </a:endParaRPr>
           </a:p>
@@ -19601,6 +19440,35 @@
               <a:rPr lang="en-GB"/>
               <a:t>Copyright © 2020 SPIKE Prime Lessons (primelessons.org) CC-BY-NC-SA.  (Last edit: 11/8/2020)</a:t>
             </a:r>
+            <a:endParaRPr lang="en-US"/>
+          </a:p>
+        </p:txBody>
+      </p:sp>
+      <p:sp>
+        <p:nvSpPr>
+          <p:cNvPr id="9" name="Slide Number Placeholder 8">
+            <a:extLst>
+              <a:ext uri="{FF2B5EF4-FFF2-40B4-BE49-F238E27FC236}">
+                <a16:creationId xmlns:a16="http://schemas.microsoft.com/office/drawing/2014/main" id="{E14CD992-7521-4E3E-ADAE-BB7E00E789A7}"/>
+              </a:ext>
+            </a:extLst>
+          </p:cNvPr>
+          <p:cNvSpPr>
+            <a:spLocks noGrp="1"/>
+          </p:cNvSpPr>
+          <p:nvPr>
+            <p:ph type="sldNum" sz="quarter" idx="12"/>
+          </p:nvPr>
+        </p:nvSpPr>
+        <p:spPr/>
+        <p:txBody>
+          <a:bodyPr/>
+          <a:lstStyle/>
+          <a:p>
+            <a:fld id="{4DBC7FC8-25FB-FC45-8177-2B991DA6778C}" type="slidenum">
+              <a:rPr lang="en-US" smtClean="0"/>
+              <a:t>5</a:t>
+            </a:fld>
             <a:endParaRPr lang="en-US"/>
           </a:p>
         </p:txBody>
@@ -20207,35 +20075,6 @@
       </p:cxnSp>
       <p:sp>
         <p:nvSpPr>
-          <p:cNvPr id="9" name="Slide Number Placeholder 8">
-            <a:extLst>
-              <a:ext uri="{FF2B5EF4-FFF2-40B4-BE49-F238E27FC236}">
-                <a16:creationId xmlns:a16="http://schemas.microsoft.com/office/drawing/2014/main" id="{E14CD992-7521-4E3E-ADAE-BB7E00E789A7}"/>
-              </a:ext>
-            </a:extLst>
-          </p:cNvPr>
-          <p:cNvSpPr>
-            <a:spLocks noGrp="1"/>
-          </p:cNvSpPr>
-          <p:nvPr>
-            <p:ph type="sldNum" sz="quarter" idx="12"/>
-          </p:nvPr>
-        </p:nvSpPr>
-        <p:spPr/>
-        <p:txBody>
-          <a:bodyPr/>
-          <a:lstStyle/>
-          <a:p>
-            <a:fld id="{4DBC7FC8-25FB-FC45-8177-2B991DA6778C}" type="slidenum">
-              <a:rPr lang="en-US" smtClean="0"/>
-              <a:t>5</a:t>
-            </a:fld>
-            <a:endParaRPr lang="en-US"/>
-          </a:p>
-        </p:txBody>
-      </p:sp>
-      <p:sp>
-        <p:nvSpPr>
           <p:cNvPr id="26" name="TextBox 25">
             <a:extLst>
               <a:ext uri="{FF2B5EF4-FFF2-40B4-BE49-F238E27FC236}">
@@ -20469,6 +20308,35 @@
               <a:rPr lang="en-GB"/>
               <a:t>Copyright © 2020 SPIKE Prime Lessons (primelessons.org) CC-BY-NC-SA.  (Last edit: 11/8/2020)</a:t>
             </a:r>
+            <a:endParaRPr lang="en-US"/>
+          </a:p>
+        </p:txBody>
+      </p:sp>
+      <p:sp>
+        <p:nvSpPr>
+          <p:cNvPr id="5" name="Slide Number Placeholder 4">
+            <a:extLst>
+              <a:ext uri="{FF2B5EF4-FFF2-40B4-BE49-F238E27FC236}">
+                <a16:creationId xmlns:a16="http://schemas.microsoft.com/office/drawing/2014/main" id="{0258CF89-1996-4F5D-9A63-FEC12F3A51D7}"/>
+              </a:ext>
+            </a:extLst>
+          </p:cNvPr>
+          <p:cNvSpPr>
+            <a:spLocks noGrp="1"/>
+          </p:cNvSpPr>
+          <p:nvPr>
+            <p:ph type="sldNum" sz="quarter" idx="12"/>
+          </p:nvPr>
+        </p:nvSpPr>
+        <p:spPr/>
+        <p:txBody>
+          <a:bodyPr/>
+          <a:lstStyle/>
+          <a:p>
+            <a:fld id="{4DBC7FC8-25FB-FC45-8177-2B991DA6778C}" type="slidenum">
+              <a:rPr lang="en-US" smtClean="0"/>
+              <a:t>6</a:t>
+            </a:fld>
             <a:endParaRPr lang="en-US"/>
           </a:p>
         </p:txBody>
@@ -21161,35 +21029,6 @@
           </p:txBody>
         </p:sp>
       </p:grpSp>
-      <p:sp>
-        <p:nvSpPr>
-          <p:cNvPr id="5" name="Slide Number Placeholder 4">
-            <a:extLst>
-              <a:ext uri="{FF2B5EF4-FFF2-40B4-BE49-F238E27FC236}">
-                <a16:creationId xmlns:a16="http://schemas.microsoft.com/office/drawing/2014/main" id="{0258CF89-1996-4F5D-9A63-FEC12F3A51D7}"/>
-              </a:ext>
-            </a:extLst>
-          </p:cNvPr>
-          <p:cNvSpPr>
-            <a:spLocks noGrp="1"/>
-          </p:cNvSpPr>
-          <p:nvPr>
-            <p:ph type="sldNum" sz="quarter" idx="12"/>
-          </p:nvPr>
-        </p:nvSpPr>
-        <p:spPr/>
-        <p:txBody>
-          <a:bodyPr/>
-          <a:lstStyle/>
-          <a:p>
-            <a:fld id="{4DBC7FC8-25FB-FC45-8177-2B991DA6778C}" type="slidenum">
-              <a:rPr lang="en-US" smtClean="0"/>
-              <a:t>6</a:t>
-            </a:fld>
-            <a:endParaRPr lang="en-US"/>
-          </a:p>
-        </p:txBody>
-      </p:sp>
     </p:spTree>
     <p:extLst>
       <p:ext uri="{BB962C8B-B14F-4D97-AF65-F5344CB8AC3E}">
@@ -21898,6 +21737,35 @@
               <a:rPr lang="en-GB"/>
               <a:t>Copyright © 2020 SPIKE Prime Lessons (primelessons.org) CC-BY-NC-SA.  (Last edit: 11/8/2020)</a:t>
             </a:r>
+            <a:endParaRPr lang="en-US"/>
+          </a:p>
+        </p:txBody>
+      </p:sp>
+      <p:sp>
+        <p:nvSpPr>
+          <p:cNvPr id="10" name="Slide Number Placeholder 9">
+            <a:extLst>
+              <a:ext uri="{FF2B5EF4-FFF2-40B4-BE49-F238E27FC236}">
+                <a16:creationId xmlns:a16="http://schemas.microsoft.com/office/drawing/2014/main" id="{9E6FDDF9-C34F-4F2C-BD11-22A9D98E5BC3}"/>
+              </a:ext>
+            </a:extLst>
+          </p:cNvPr>
+          <p:cNvSpPr>
+            <a:spLocks noGrp="1"/>
+          </p:cNvSpPr>
+          <p:nvPr>
+            <p:ph type="sldNum" sz="quarter" idx="12"/>
+          </p:nvPr>
+        </p:nvSpPr>
+        <p:spPr/>
+        <p:txBody>
+          <a:bodyPr/>
+          <a:lstStyle/>
+          <a:p>
+            <a:fld id="{4DBC7FC8-25FB-FC45-8177-2B991DA6778C}" type="slidenum">
+              <a:rPr lang="en-US" smtClean="0"/>
+              <a:t>8</a:t>
+            </a:fld>
             <a:endParaRPr lang="en-US"/>
           </a:p>
         </p:txBody>
@@ -22805,35 +22673,6 @@
           </a:p>
         </p:txBody>
       </p:sp>
-      <p:sp>
-        <p:nvSpPr>
-          <p:cNvPr id="10" name="Slide Number Placeholder 9">
-            <a:extLst>
-              <a:ext uri="{FF2B5EF4-FFF2-40B4-BE49-F238E27FC236}">
-                <a16:creationId xmlns:a16="http://schemas.microsoft.com/office/drawing/2014/main" id="{9E6FDDF9-C34F-4F2C-BD11-22A9D98E5BC3}"/>
-              </a:ext>
-            </a:extLst>
-          </p:cNvPr>
-          <p:cNvSpPr>
-            <a:spLocks noGrp="1"/>
-          </p:cNvSpPr>
-          <p:nvPr>
-            <p:ph type="sldNum" sz="quarter" idx="12"/>
-          </p:nvPr>
-        </p:nvSpPr>
-        <p:spPr/>
-        <p:txBody>
-          <a:bodyPr/>
-          <a:lstStyle/>
-          <a:p>
-            <a:fld id="{4DBC7FC8-25FB-FC45-8177-2B991DA6778C}" type="slidenum">
-              <a:rPr lang="en-US" smtClean="0"/>
-              <a:t>8</a:t>
-            </a:fld>
-            <a:endParaRPr lang="en-US"/>
-          </a:p>
-        </p:txBody>
-      </p:sp>
     </p:spTree>
     <p:extLst>
       <p:ext uri="{BB962C8B-B14F-4D97-AF65-F5344CB8AC3E}">
@@ -22866,6 +22705,34 @@
       </p:grpSpPr>
       <p:sp>
         <p:nvSpPr>
+          <p:cNvPr id="2" name="Title 1">
+            <a:extLst>
+              <a:ext uri="{FF2B5EF4-FFF2-40B4-BE49-F238E27FC236}">
+                <a16:creationId xmlns:a16="http://schemas.microsoft.com/office/drawing/2014/main" id="{DDBC4BBE-C908-4D9B-8994-FA0CF8939198}"/>
+              </a:ext>
+            </a:extLst>
+          </p:cNvPr>
+          <p:cNvSpPr>
+            <a:spLocks noGrp="1"/>
+          </p:cNvSpPr>
+          <p:nvPr>
+            <p:ph type="title"/>
+          </p:nvPr>
+        </p:nvSpPr>
+        <p:spPr/>
+        <p:txBody>
+          <a:bodyPr/>
+          <a:lstStyle/>
+          <a:p>
+            <a:r>
+              <a:rPr lang="en-US" dirty="0"/>
+              <a:t>Challenge II solution</a:t>
+            </a:r>
+          </a:p>
+        </p:txBody>
+      </p:sp>
+      <p:sp>
+        <p:nvSpPr>
           <p:cNvPr id="10" name="Content Placeholder 9">
             <a:extLst>
               <a:ext uri="{FF2B5EF4-FFF2-40B4-BE49-F238E27FC236}">
@@ -22915,34 +22782,6 @@
           </a:p>
           <a:p>
             <a:endParaRPr lang="en-US" dirty="0"/>
-          </a:p>
-        </p:txBody>
-      </p:sp>
-      <p:sp>
-        <p:nvSpPr>
-          <p:cNvPr id="2" name="Title 1">
-            <a:extLst>
-              <a:ext uri="{FF2B5EF4-FFF2-40B4-BE49-F238E27FC236}">
-                <a16:creationId xmlns:a16="http://schemas.microsoft.com/office/drawing/2014/main" id="{DDBC4BBE-C908-4D9B-8994-FA0CF8939198}"/>
-              </a:ext>
-            </a:extLst>
-          </p:cNvPr>
-          <p:cNvSpPr>
-            <a:spLocks noGrp="1"/>
-          </p:cNvSpPr>
-          <p:nvPr>
-            <p:ph type="title"/>
-          </p:nvPr>
-        </p:nvSpPr>
-        <p:spPr/>
-        <p:txBody>
-          <a:bodyPr/>
-          <a:lstStyle/>
-          <a:p>
-            <a:r>
-              <a:rPr lang="en-US" dirty="0"/>
-              <a:t>Challenge II solution</a:t>
-            </a:r>
           </a:p>
         </p:txBody>
       </p:sp>
@@ -24247,7 +24086,7 @@
 <file path=ppt/theme/theme4.xml><?xml version="1.0" encoding="utf-8"?>
 <a:theme xmlns:a="http://schemas.openxmlformats.org/drawingml/2006/main" name="Dividend">
   <a:themeElements>
-    <a:clrScheme name="Spike Prime Lessons">
+    <a:clrScheme name="Custom 1">
       <a:dk1>
         <a:srgbClr val="000000"/>
       </a:dk1>
@@ -24258,31 +24097,31 @@
         <a:srgbClr val="000000"/>
       </a:dk2>
       <a:lt2>
-        <a:srgbClr val="FFFFFF"/>
+        <a:srgbClr val="F8F8F8"/>
       </a:lt2>
       <a:accent1>
-        <a:srgbClr val="FFD500"/>
+        <a:srgbClr val="DDDDDD"/>
       </a:accent1>
       <a:accent2>
-        <a:srgbClr val="961BDB"/>
+        <a:srgbClr val="B2B2B2"/>
       </a:accent2>
       <a:accent3>
-        <a:srgbClr val="FF0000"/>
+        <a:srgbClr val="969696"/>
       </a:accent3>
       <a:accent4>
-        <a:srgbClr val="65D7FF"/>
+        <a:srgbClr val="000000"/>
       </a:accent4>
       <a:accent5>
-        <a:srgbClr val="5B9BD5"/>
+        <a:srgbClr val="5F5F5F"/>
       </a:accent5>
       <a:accent6>
-        <a:srgbClr val="70AD47"/>
+        <a:srgbClr val="4D4D4D"/>
       </a:accent6>
       <a:hlink>
-        <a:srgbClr val="961BDB"/>
+        <a:srgbClr val="5F5F5F"/>
       </a:hlink>
       <a:folHlink>
-        <a:srgbClr val="65D7FF"/>
+        <a:srgbClr val="919191"/>
       </a:folHlink>
     </a:clrScheme>
     <a:fontScheme name="Dividend">
@@ -24507,7 +24346,7 @@
   <a:extraClrSchemeLst/>
   <a:extLst>
     <a:ext uri="{05A4C25C-085E-4340-85A3-A5531E510DB2}">
-      <thm15:themeFamily xmlns:thm15="http://schemas.microsoft.com/office/thememl/2012/main" name="Spike Prime Template.potx" id="{C1D969FE-89B1-4BE4-BDFA-C32471023150}" vid="{4149DA99-3325-4DAE-8A1C-4D0296C099A1}"/>
+      <thm15:themeFamily xmlns:thm15="http://schemas.microsoft.com/office/thememl/2012/main" name="HowtoUse" id="{7DD8E111-BC3A-4444-A06C-BD4DCB2344B2}" vid="{5D8D2880-D206-C442-A283-BCAB763DE85D}"/>
     </a:ext>
   </a:extLst>
 </a:theme>
